--- a/Batch-09/Proff Lecture Material/2. INTRODUCTION TO AWS.pptx
+++ b/Batch-09/Proff Lecture Material/2. INTRODUCTION TO AWS.pptx
@@ -214,7 +214,7 @@
           <a:p>
             <a:fld id="{91A00CD1-1069-498C-ABC9-89BBA60B1D41}" type="datetimeFigureOut">
               <a:rPr lang="en-US" smtClean="0"/>
-              <a:t>12/5/2021</a:t>
+              <a:t>8/15/2022</a:t>
             </a:fld>
             <a:endParaRPr lang="en-US"/>
           </a:p>
@@ -737,7 +737,7 @@
             <a:fld id="{A27CFB8F-DFCD-4008-9245-A892E2BE0164}" type="datetimeFigureOut">
               <a:rPr lang="en-US" smtClean="0"/>
               <a:pPr/>
-              <a:t>12/5/2021</a:t>
+              <a:t>8/15/2022</a:t>
             </a:fld>
             <a:endParaRPr lang="en-US"/>
           </a:p>
@@ -903,7 +903,7 @@
             <a:fld id="{A27CFB8F-DFCD-4008-9245-A892E2BE0164}" type="datetimeFigureOut">
               <a:rPr lang="en-US" smtClean="0"/>
               <a:pPr/>
-              <a:t>12/5/2021</a:t>
+              <a:t>8/15/2022</a:t>
             </a:fld>
             <a:endParaRPr lang="en-US"/>
           </a:p>
@@ -1079,7 +1079,7 @@
             <a:fld id="{A27CFB8F-DFCD-4008-9245-A892E2BE0164}" type="datetimeFigureOut">
               <a:rPr lang="en-US" smtClean="0"/>
               <a:pPr/>
-              <a:t>12/5/2021</a:t>
+              <a:t>8/15/2022</a:t>
             </a:fld>
             <a:endParaRPr lang="en-US"/>
           </a:p>
@@ -1245,7 +1245,7 @@
             <a:fld id="{A27CFB8F-DFCD-4008-9245-A892E2BE0164}" type="datetimeFigureOut">
               <a:rPr lang="en-US" smtClean="0"/>
               <a:pPr/>
-              <a:t>12/5/2021</a:t>
+              <a:t>8/15/2022</a:t>
             </a:fld>
             <a:endParaRPr lang="en-US"/>
           </a:p>
@@ -1488,7 +1488,7 @@
             <a:fld id="{A27CFB8F-DFCD-4008-9245-A892E2BE0164}" type="datetimeFigureOut">
               <a:rPr lang="en-US" smtClean="0"/>
               <a:pPr/>
-              <a:t>12/5/2021</a:t>
+              <a:t>8/15/2022</a:t>
             </a:fld>
             <a:endParaRPr lang="en-US"/>
           </a:p>
@@ -1753,7 +1753,7 @@
             <a:fld id="{A27CFB8F-DFCD-4008-9245-A892E2BE0164}" type="datetimeFigureOut">
               <a:rPr lang="en-US" smtClean="0"/>
               <a:pPr/>
-              <a:t>12/5/2021</a:t>
+              <a:t>8/15/2022</a:t>
             </a:fld>
             <a:endParaRPr lang="en-US"/>
           </a:p>
@@ -2132,7 +2132,7 @@
             <a:fld id="{A27CFB8F-DFCD-4008-9245-A892E2BE0164}" type="datetimeFigureOut">
               <a:rPr lang="en-US" smtClean="0"/>
               <a:pPr/>
-              <a:t>12/5/2021</a:t>
+              <a:t>8/15/2022</a:t>
             </a:fld>
             <a:endParaRPr lang="en-US"/>
           </a:p>
@@ -2283,7 +2283,7 @@
             <a:fld id="{A27CFB8F-DFCD-4008-9245-A892E2BE0164}" type="datetimeFigureOut">
               <a:rPr lang="en-US" smtClean="0"/>
               <a:pPr/>
-              <a:t>12/5/2021</a:t>
+              <a:t>8/15/2022</a:t>
             </a:fld>
             <a:endParaRPr lang="en-US"/>
           </a:p>
@@ -2375,7 +2375,7 @@
             <a:fld id="{A27CFB8F-DFCD-4008-9245-A892E2BE0164}" type="datetimeFigureOut">
               <a:rPr lang="en-US" smtClean="0"/>
               <a:pPr/>
-              <a:t>12/5/2021</a:t>
+              <a:t>8/15/2022</a:t>
             </a:fld>
             <a:endParaRPr lang="en-US"/>
           </a:p>
@@ -2637,7 +2637,7 @@
             <a:fld id="{A27CFB8F-DFCD-4008-9245-A892E2BE0164}" type="datetimeFigureOut">
               <a:rPr lang="en-US" smtClean="0"/>
               <a:pPr/>
-              <a:t>12/5/2021</a:t>
+              <a:t>8/15/2022</a:t>
             </a:fld>
             <a:endParaRPr lang="en-US"/>
           </a:p>
@@ -2926,7 +2926,7 @@
             <a:fld id="{A27CFB8F-DFCD-4008-9245-A892E2BE0164}" type="datetimeFigureOut">
               <a:rPr lang="en-US" smtClean="0"/>
               <a:pPr/>
-              <a:t>12/5/2021</a:t>
+              <a:t>8/15/2022</a:t>
             </a:fld>
             <a:endParaRPr lang="en-US"/>
           </a:p>
@@ -3697,7 +3697,7 @@
             <a:fld id="{A27CFB8F-DFCD-4008-9245-A892E2BE0164}" type="datetimeFigureOut">
               <a:rPr lang="en-US" smtClean="0"/>
               <a:pPr/>
-              <a:t>12/5/2021</a:t>
+              <a:t>8/15/2022</a:t>
             </a:fld>
             <a:endParaRPr lang="en-US"/>
           </a:p>
@@ -4375,7 +4375,12 @@
             <p:ph type="title"/>
           </p:nvPr>
         </p:nvSpPr>
-        <p:spPr/>
+        <p:spPr>
+          <a:xfrm>
+            <a:off x="457200" y="914400"/>
+            <a:ext cx="8229600" cy="551688"/>
+          </a:xfrm>
+        </p:spPr>
         <p:txBody>
           <a:bodyPr>
             <a:normAutofit/>
@@ -4400,12 +4405,27 @@
             <p:ph idx="1"/>
           </p:nvPr>
         </p:nvSpPr>
-        <p:spPr/>
+        <p:spPr>
+          <a:xfrm>
+            <a:off x="457200" y="1828800"/>
+            <a:ext cx="8229600" cy="4495800"/>
+          </a:xfrm>
+        </p:spPr>
         <p:txBody>
           <a:bodyPr>
-            <a:normAutofit fontScale="92500" lnSpcReduction="20000"/>
+            <a:normAutofit fontScale="85000" lnSpcReduction="10000"/>
           </a:bodyPr>
           <a:lstStyle/>
+          <a:p>
+            <a:r>
+              <a:rPr lang="en-US" dirty="0"/>
+              <a:t>In AWS, we manage resource in isolated locations referred to as </a:t>
+            </a:r>
+            <a:r>
+              <a:rPr lang="en-US" b="1" dirty="0"/>
+              <a:t>Regions/Data Centers</a:t>
+            </a:r>
+          </a:p>
           <a:p>
             <a:r>
               <a:rPr lang="en-US" dirty="0"/>
